--- a/docs/RISCCpresentationV2.pptx
+++ b/docs/RISCCpresentationV2.pptx
@@ -7198,60 +7198,6 @@
 </file>
 
 <file path=customXml/item1.xml><?xml version="1.0" encoding="utf-8"?>
-<LongProperties xmlns="http://schemas.microsoft.com/office/2006/metadata/longProperties"/>
-</file>
-
-<file path=customXml/item2.xml><?xml version="1.0" encoding="utf-8"?>
-<?mso-contentType ?>
-<FormTemplates xmlns="http://schemas.microsoft.com/sharepoint/v3/contenttype/forms">
-  <Display>DocumentLibraryForm</Display>
-  <Edit>DocumentLibraryForm</Edit>
-  <New>DocumentLibraryForm</New>
-</FormTemplates>
-</file>
-
-<file path=customXml/item3.xml><?xml version="1.0" encoding="utf-8"?>
-<p:properties xmlns:p="http://schemas.microsoft.com/office/2006/metadata/properties" xmlns:xsi="http://www.w3.org/2001/XMLSchema-instance" xmlns:pc="http://schemas.microsoft.com/office/infopath/2007/PartnerControls">
-  <documentManagement>
-    <ee4a12517c704295bf28cacfd87beb84 xmlns="3040f803-d85a-4080-a46f-48160da16897">
-      <Terms xmlns="http://schemas.microsoft.com/office/infopath/2007/PartnerControls">
-        <TermInfo xmlns="http://schemas.microsoft.com/office/infopath/2007/PartnerControls">
-          <TermName xmlns="http://schemas.microsoft.com/office/infopath/2007/PartnerControls">Imatge corporativa</TermName>
-          <TermId xmlns="http://schemas.microsoft.com/office/infopath/2007/PartnerControls">1d3e6f05-53f7-4adb-b33d-76b41e989f59</TermId>
-        </TermInfo>
-      </Terms>
-    </ee4a12517c704295bf28cacfd87beb84>
-    <TaxKeywordTaxHTField xmlns="3040f803-d85a-4080-a46f-48160da16897">
-      <Terms xmlns="http://schemas.microsoft.com/office/infopath/2007/PartnerControls"/>
-    </TaxKeywordTaxHTField>
-    <f61f48099f5c4dc0950f95f48a52259e xmlns="0d016efa-166c-48b2-974f-0c90e6e5c017">
-      <Terms xmlns="http://schemas.microsoft.com/office/infopath/2007/PartnerControls">
-        <TermInfo xmlns="http://schemas.microsoft.com/office/infopath/2007/PartnerControls">
-          <TermName xmlns="http://schemas.microsoft.com/office/infopath/2007/PartnerControls">plantilla</TermName>
-          <TermId xmlns="http://schemas.microsoft.com/office/infopath/2007/PartnerControls">3120edf4-0a50-495a-b77f-1230a2c741c4</TermId>
-        </TermInfo>
-      </Terms>
-    </f61f48099f5c4dc0950f95f48a52259e>
-    <DocICOResp_sc xmlns="3040f803-d85a-4080-a46f-48160da16897">
-      <UserInfo>
-        <DisplayName>Llongueras Juan, Georgina</DisplayName>
-        <AccountId>22</AccountId>
-        <AccountType/>
-      </UserInfo>
-    </DocICOResp_sc>
-    <DocICODataDoc_sc xmlns="3040f803-d85a-4080-a46f-48160da16897">2017-01-23T23:00:00+00:00</DocICODataDoc_sc>
-    <TaxCatchAll xmlns="3040f803-d85a-4080-a46f-48160da16897">
-      <Value>34</Value>
-      <Value>215</Value>
-      <Value>1124</Value>
-      <Value>1164</Value>
-    </TaxCatchAll>
-    <DocICODataVig_sc xmlns="3040f803-d85a-4080-a46f-48160da16897" xsi:nil="true"/>
-  </documentManagement>
-</p:properties>
-</file>
-
-<file path=customXml/item4.xml><?xml version="1.0" encoding="utf-8"?>
 <ct:contentTypeSchema xmlns:ct="http://schemas.microsoft.com/office/2006/metadata/contentType" xmlns:ma="http://schemas.microsoft.com/office/2006/metadata/properties/metaAttributes" ct:_="" ma:_="" ma:contentTypeName="DocICOSuport_CT" ma:contentTypeID="0x010100C113262DACB9854CA4CC94A716D911260200CE229BCB792A194E8BE077DBF0D40D05" ma:contentTypeVersion="13" ma:contentTypeDescription="" ma:contentTypeScope="" ma:versionID="d2c2a57507eca23e411b5729a633b5b1">
   <xsd:schema xmlns:xsd="http://www.w3.org/2001/XMLSchema" xmlns:xs="http://www.w3.org/2001/XMLSchema" xmlns:p="http://schemas.microsoft.com/office/2006/metadata/properties" xmlns:ns1="3040f803-d85a-4080-a46f-48160da16897" xmlns:ns3="0d016efa-166c-48b2-974f-0c90e6e5c017" targetNamespace="http://schemas.microsoft.com/office/2006/metadata/properties" ma:root="true" ma:fieldsID="e8f8ab76fb6edfb89da8018235de9523" ns1:_="" ns3:_="">
     <xsd:import namespace="3040f803-d85a-4080-a46f-48160da16897"/>
@@ -7456,23 +7402,80 @@
 </ct:contentTypeSchema>
 </file>
 
+<file path=customXml/item2.xml><?xml version="1.0" encoding="utf-8"?>
+<p:properties xmlns:p="http://schemas.microsoft.com/office/2006/metadata/properties" xmlns:xsi="http://www.w3.org/2001/XMLSchema-instance" xmlns:pc="http://schemas.microsoft.com/office/infopath/2007/PartnerControls">
+  <documentManagement>
+    <ee4a12517c704295bf28cacfd87beb84 xmlns="3040f803-d85a-4080-a46f-48160da16897">
+      <Terms xmlns="http://schemas.microsoft.com/office/infopath/2007/PartnerControls">
+        <TermInfo xmlns="http://schemas.microsoft.com/office/infopath/2007/PartnerControls">
+          <TermName xmlns="http://schemas.microsoft.com/office/infopath/2007/PartnerControls">Imatge corporativa</TermName>
+          <TermId xmlns="http://schemas.microsoft.com/office/infopath/2007/PartnerControls">1d3e6f05-53f7-4adb-b33d-76b41e989f59</TermId>
+        </TermInfo>
+      </Terms>
+    </ee4a12517c704295bf28cacfd87beb84>
+    <TaxKeywordTaxHTField xmlns="3040f803-d85a-4080-a46f-48160da16897">
+      <Terms xmlns="http://schemas.microsoft.com/office/infopath/2007/PartnerControls"/>
+    </TaxKeywordTaxHTField>
+    <f61f48099f5c4dc0950f95f48a52259e xmlns="0d016efa-166c-48b2-974f-0c90e6e5c017">
+      <Terms xmlns="http://schemas.microsoft.com/office/infopath/2007/PartnerControls">
+        <TermInfo xmlns="http://schemas.microsoft.com/office/infopath/2007/PartnerControls">
+          <TermName xmlns="http://schemas.microsoft.com/office/infopath/2007/PartnerControls">plantilla</TermName>
+          <TermId xmlns="http://schemas.microsoft.com/office/infopath/2007/PartnerControls">3120edf4-0a50-495a-b77f-1230a2c741c4</TermId>
+        </TermInfo>
+      </Terms>
+    </f61f48099f5c4dc0950f95f48a52259e>
+    <DocICOResp_sc xmlns="3040f803-d85a-4080-a46f-48160da16897">
+      <UserInfo>
+        <DisplayName>Llongueras Juan, Georgina</DisplayName>
+        <AccountId>22</AccountId>
+        <AccountType/>
+      </UserInfo>
+    </DocICOResp_sc>
+    <DocICODataDoc_sc xmlns="3040f803-d85a-4080-a46f-48160da16897">2017-01-23T23:00:00+00:00</DocICODataDoc_sc>
+    <TaxCatchAll xmlns="3040f803-d85a-4080-a46f-48160da16897">
+      <Value>34</Value>
+      <Value>215</Value>
+      <Value>1124</Value>
+      <Value>1164</Value>
+    </TaxCatchAll>
+    <DocICODataVig_sc xmlns="3040f803-d85a-4080-a46f-48160da16897" xsi:nil="true"/>
+  </documentManagement>
+</p:properties>
+</file>
+
+<file path=customXml/item3.xml><?xml version="1.0" encoding="utf-8"?>
+<?mso-contentType ?>
+<FormTemplates xmlns="http://schemas.microsoft.com/sharepoint/v3/contenttype/forms">
+  <Display>DocumentLibraryForm</Display>
+  <Edit>DocumentLibraryForm</Edit>
+  <New>DocumentLibraryForm</New>
+</FormTemplates>
+</file>
+
+<file path=customXml/item4.xml><?xml version="1.0" encoding="utf-8"?>
+<LongProperties xmlns="http://schemas.microsoft.com/office/2006/metadata/longProperties"/>
+</file>
+
 <file path=customXml/itemProps1.xml><?xml version="1.0" encoding="utf-8"?>
-<ds:datastoreItem xmlns:ds="http://schemas.openxmlformats.org/officeDocument/2006/customXml" ds:itemID="{718AC3CF-113F-4F3C-B7FC-BA15EDE16A87}">
+<ds:datastoreItem xmlns:ds="http://schemas.openxmlformats.org/officeDocument/2006/customXml" ds:itemID="{EEBC9063-B80F-4DA1-9AD4-FE6C4A67DB67}">
   <ds:schemaRefs>
-    <ds:schemaRef ds:uri="http://schemas.microsoft.com/office/2006/metadata/longProperties"/>
+    <ds:schemaRef ds:uri="http://schemas.microsoft.com/office/2006/metadata/contentType"/>
+    <ds:schemaRef ds:uri="http://schemas.microsoft.com/office/2006/metadata/properties/metaAttributes"/>
+    <ds:schemaRef ds:uri="http://www.w3.org/2001/XMLSchema"/>
+    <ds:schemaRef ds:uri="http://schemas.microsoft.com/office/2006/metadata/properties"/>
+    <ds:schemaRef ds:uri="3040f803-d85a-4080-a46f-48160da16897"/>
+    <ds:schemaRef ds:uri="0d016efa-166c-48b2-974f-0c90e6e5c017"/>
+    <ds:schemaRef ds:uri="http://schemas.microsoft.com/office/2006/documentManagement/types"/>
+    <ds:schemaRef ds:uri="http://schemas.microsoft.com/office/infopath/2007/PartnerControls"/>
+    <ds:schemaRef ds:uri="http://schemas.openxmlformats.org/package/2006/metadata/core-properties"/>
+    <ds:schemaRef ds:uri="http://purl.org/dc/elements/1.1/"/>
+    <ds:schemaRef ds:uri="http://purl.org/dc/terms/"/>
+    <ds:schemaRef ds:uri="http://schemas.microsoft.com/internal/obd"/>
   </ds:schemaRefs>
 </ds:datastoreItem>
 </file>
 
 <file path=customXml/itemProps2.xml><?xml version="1.0" encoding="utf-8"?>
-<ds:datastoreItem xmlns:ds="http://schemas.openxmlformats.org/officeDocument/2006/customXml" ds:itemID="{A2437B46-7D7A-401D-8252-A9C9966B98D7}">
-  <ds:schemaRefs>
-    <ds:schemaRef ds:uri="http://schemas.microsoft.com/sharepoint/v3/contenttype/forms"/>
-  </ds:schemaRefs>
-</ds:datastoreItem>
-</file>
-
-<file path=customXml/itemProps3.xml><?xml version="1.0" encoding="utf-8"?>
 <ds:datastoreItem xmlns:ds="http://schemas.openxmlformats.org/officeDocument/2006/customXml" ds:itemID="{AE614961-11CC-4CC0-AA76-33C5B9FFF693}">
   <ds:schemaRefs>
     <ds:schemaRef ds:uri="http://purl.org/dc/elements/1.1/"/>
@@ -7489,21 +7492,18 @@
 </ds:datastoreItem>
 </file>
 
+<file path=customXml/itemProps3.xml><?xml version="1.0" encoding="utf-8"?>
+<ds:datastoreItem xmlns:ds="http://schemas.openxmlformats.org/officeDocument/2006/customXml" ds:itemID="{A2437B46-7D7A-401D-8252-A9C9966B98D7}">
+  <ds:schemaRefs>
+    <ds:schemaRef ds:uri="http://schemas.microsoft.com/sharepoint/v3/contenttype/forms"/>
+  </ds:schemaRefs>
+</ds:datastoreItem>
+</file>
+
 <file path=customXml/itemProps4.xml><?xml version="1.0" encoding="utf-8"?>
-<ds:datastoreItem xmlns:ds="http://schemas.openxmlformats.org/officeDocument/2006/customXml" ds:itemID="{EEBC9063-B80F-4DA1-9AD4-FE6C4A67DB67}">
+<ds:datastoreItem xmlns:ds="http://schemas.openxmlformats.org/officeDocument/2006/customXml" ds:itemID="{718AC3CF-113F-4F3C-B7FC-BA15EDE16A87}">
   <ds:schemaRefs>
-    <ds:schemaRef ds:uri="http://schemas.microsoft.com/office/2006/metadata/contentType"/>
-    <ds:schemaRef ds:uri="http://schemas.microsoft.com/office/2006/metadata/properties/metaAttributes"/>
-    <ds:schemaRef ds:uri="http://www.w3.org/2001/XMLSchema"/>
-    <ds:schemaRef ds:uri="http://schemas.microsoft.com/office/2006/metadata/properties"/>
-    <ds:schemaRef ds:uri="3040f803-d85a-4080-a46f-48160da16897"/>
-    <ds:schemaRef ds:uri="0d016efa-166c-48b2-974f-0c90e6e5c017"/>
-    <ds:schemaRef ds:uri="http://schemas.microsoft.com/office/2006/documentManagement/types"/>
-    <ds:schemaRef ds:uri="http://schemas.microsoft.com/office/infopath/2007/PartnerControls"/>
-    <ds:schemaRef ds:uri="http://schemas.openxmlformats.org/package/2006/metadata/core-properties"/>
-    <ds:schemaRef ds:uri="http://purl.org/dc/elements/1.1/"/>
-    <ds:schemaRef ds:uri="http://purl.org/dc/terms/"/>
-    <ds:schemaRef ds:uri="http://schemas.microsoft.com/internal/obd"/>
+    <ds:schemaRef ds:uri="http://schemas.microsoft.com/office/2006/metadata/longProperties"/>
   </ds:schemaRefs>
 </ds:datastoreItem>
 </file>